--- a/07-Arrays.pptx
+++ b/07-Arrays.pptx
@@ -21,10 +21,10 @@
     <p:sldId id="338" r:id="rId12"/>
     <p:sldId id="350" r:id="rId13"/>
     <p:sldId id="348" r:id="rId14"/>
-    <p:sldId id="351" r:id="rId15"/>
-    <p:sldId id="268" r:id="rId16"/>
-    <p:sldId id="290" r:id="rId17"/>
-    <p:sldId id="349" r:id="rId18"/>
+    <p:sldId id="268" r:id="rId15"/>
+    <p:sldId id="290" r:id="rId16"/>
+    <p:sldId id="349" r:id="rId17"/>
+    <p:sldId id="354" r:id="rId18"/>
   </p:sldIdLst>
   <p:sldSz cx="9144000" cy="6858000" type="screen4x3"/>
   <p:notesSz cx="6858000" cy="9144000"/>
@@ -224,7 +224,7 @@
           <a:p>
             <a:fld id="{1A052DDE-B79B-4585-97B6-DCDE6083B029}" type="datetimeFigureOut">
               <a:rPr lang="bg-BG" smtClean="0"/>
-              <a:t>4.11.2015 г.</a:t>
+              <a:t>5.11.2015 г.</a:t>
             </a:fld>
             <a:endParaRPr lang="bg-BG"/>
           </a:p>
@@ -1009,7 +1009,7 @@
           <a:p>
             <a:fld id="{3EA744D9-3FBE-48D8-BF2A-85DF203E4D20}" type="datetimeFigureOut">
               <a:rPr lang="bg-BG" smtClean="0"/>
-              <a:t>4.11.2015 г.</a:t>
+              <a:t>5.11.2015 г.</a:t>
             </a:fld>
             <a:endParaRPr lang="bg-BG"/>
           </a:p>
@@ -1179,7 +1179,7 @@
           <a:p>
             <a:fld id="{3EA744D9-3FBE-48D8-BF2A-85DF203E4D20}" type="datetimeFigureOut">
               <a:rPr lang="bg-BG" smtClean="0"/>
-              <a:t>4.11.2015 г.</a:t>
+              <a:t>5.11.2015 г.</a:t>
             </a:fld>
             <a:endParaRPr lang="bg-BG"/>
           </a:p>
@@ -1359,7 +1359,7 @@
           <a:p>
             <a:fld id="{3EA744D9-3FBE-48D8-BF2A-85DF203E4D20}" type="datetimeFigureOut">
               <a:rPr lang="bg-BG" smtClean="0"/>
-              <a:t>4.11.2015 г.</a:t>
+              <a:t>5.11.2015 г.</a:t>
             </a:fld>
             <a:endParaRPr lang="bg-BG"/>
           </a:p>
@@ -1529,7 +1529,7 @@
           <a:p>
             <a:fld id="{3EA744D9-3FBE-48D8-BF2A-85DF203E4D20}" type="datetimeFigureOut">
               <a:rPr lang="bg-BG" smtClean="0"/>
-              <a:t>4.11.2015 г.</a:t>
+              <a:t>5.11.2015 г.</a:t>
             </a:fld>
             <a:endParaRPr lang="bg-BG"/>
           </a:p>
@@ -1775,7 +1775,7 @@
           <a:p>
             <a:fld id="{3EA744D9-3FBE-48D8-BF2A-85DF203E4D20}" type="datetimeFigureOut">
               <a:rPr lang="bg-BG" smtClean="0"/>
-              <a:t>4.11.2015 г.</a:t>
+              <a:t>5.11.2015 г.</a:t>
             </a:fld>
             <a:endParaRPr lang="bg-BG"/>
           </a:p>
@@ -2063,7 +2063,7 @@
           <a:p>
             <a:fld id="{3EA744D9-3FBE-48D8-BF2A-85DF203E4D20}" type="datetimeFigureOut">
               <a:rPr lang="bg-BG" smtClean="0"/>
-              <a:t>4.11.2015 г.</a:t>
+              <a:t>5.11.2015 г.</a:t>
             </a:fld>
             <a:endParaRPr lang="bg-BG"/>
           </a:p>
@@ -2485,7 +2485,7 @@
           <a:p>
             <a:fld id="{3EA744D9-3FBE-48D8-BF2A-85DF203E4D20}" type="datetimeFigureOut">
               <a:rPr lang="bg-BG" smtClean="0"/>
-              <a:t>4.11.2015 г.</a:t>
+              <a:t>5.11.2015 г.</a:t>
             </a:fld>
             <a:endParaRPr lang="bg-BG"/>
           </a:p>
@@ -2603,7 +2603,7 @@
           <a:p>
             <a:fld id="{3EA744D9-3FBE-48D8-BF2A-85DF203E4D20}" type="datetimeFigureOut">
               <a:rPr lang="bg-BG" smtClean="0"/>
-              <a:t>4.11.2015 г.</a:t>
+              <a:t>5.11.2015 г.</a:t>
             </a:fld>
             <a:endParaRPr lang="bg-BG"/>
           </a:p>
@@ -2698,7 +2698,7 @@
           <a:p>
             <a:fld id="{3EA744D9-3FBE-48D8-BF2A-85DF203E4D20}" type="datetimeFigureOut">
               <a:rPr lang="bg-BG" smtClean="0"/>
-              <a:t>4.11.2015 г.</a:t>
+              <a:t>5.11.2015 г.</a:t>
             </a:fld>
             <a:endParaRPr lang="bg-BG"/>
           </a:p>
@@ -2975,7 +2975,7 @@
           <a:p>
             <a:fld id="{3EA744D9-3FBE-48D8-BF2A-85DF203E4D20}" type="datetimeFigureOut">
               <a:rPr lang="bg-BG" smtClean="0"/>
-              <a:t>4.11.2015 г.</a:t>
+              <a:t>5.11.2015 г.</a:t>
             </a:fld>
             <a:endParaRPr lang="bg-BG"/>
           </a:p>
@@ -3228,7 +3228,7 @@
           <a:p>
             <a:fld id="{3EA744D9-3FBE-48D8-BF2A-85DF203E4D20}" type="datetimeFigureOut">
               <a:rPr lang="bg-BG" smtClean="0"/>
-              <a:t>4.11.2015 г.</a:t>
+              <a:t>5.11.2015 г.</a:t>
             </a:fld>
             <a:endParaRPr lang="bg-BG"/>
           </a:p>
@@ -3450,7 +3450,7 @@
           <a:p>
             <a:fld id="{3EA744D9-3FBE-48D8-BF2A-85DF203E4D20}" type="datetimeFigureOut">
               <a:rPr lang="bg-BG" smtClean="0"/>
-              <a:t>4.11.2015 г.</a:t>
+              <a:t>5.11.2015 г.</a:t>
             </a:fld>
             <a:endParaRPr lang="bg-BG"/>
           </a:p>
@@ -4935,20 +4935,30 @@
             <p:ph type="title"/>
           </p:nvPr>
         </p:nvSpPr>
-        <p:spPr/>
+        <p:spPr>
+          <a:xfrm>
+            <a:off x="838200" y="685800"/>
+            <a:ext cx="8229600" cy="1143000"/>
+          </a:xfrm>
+        </p:spPr>
         <p:txBody>
           <a:bodyPr/>
           <a:lstStyle/>
           <a:p>
-            <a:r>
-              <a:rPr lang="bg-BG" dirty="0">
+            <a:pPr algn="l"/>
+            <a:r>
+              <a:rPr lang="bg-BG" dirty="0" smtClean="0">
                 <a:solidFill>
                   <a:schemeClr val="accent6"/>
                 </a:solidFill>
               </a:rPr>
-              <a:t>Задача</a:t>
-            </a:r>
-            <a:endParaRPr lang="en-US" dirty="0"/>
+              <a:t>Въпроси</a:t>
+            </a:r>
+            <a:endParaRPr lang="bg-BG" dirty="0">
+              <a:solidFill>
+                <a:schemeClr val="accent6"/>
+              </a:solidFill>
+            </a:endParaRPr>
           </a:p>
         </p:txBody>
       </p:sp>
@@ -4962,89 +4972,116 @@
             <p:ph idx="1"/>
           </p:nvPr>
         </p:nvSpPr>
-        <p:spPr/>
-        <p:txBody>
-          <a:bodyPr/>
+        <p:spPr>
+          <a:xfrm>
+            <a:off x="762000" y="1676400"/>
+            <a:ext cx="7620000" cy="4525963"/>
+          </a:xfrm>
+        </p:spPr>
+        <p:txBody>
+          <a:bodyPr>
+            <a:normAutofit/>
+          </a:bodyPr>
           <a:lstStyle/>
           <a:p>
-            <a:r>
-              <a:rPr lang="bg-BG" dirty="0">
-                <a:solidFill>
-                  <a:schemeClr val="bg1">
-                    <a:lumMod val="95000"/>
-                  </a:schemeClr>
-                </a:solidFill>
-              </a:rPr>
-              <a:t>Напишете програма</a:t>
-            </a:r>
-            <a:r>
-              <a:rPr lang="en-US" dirty="0">
-                <a:solidFill>
-                  <a:schemeClr val="bg1">
-                    <a:lumMod val="95000"/>
-                  </a:schemeClr>
-                </a:solidFill>
-              </a:rPr>
-              <a:t>,  </a:t>
-            </a:r>
-            <a:r>
-              <a:rPr lang="bg-BG" dirty="0">
-                <a:solidFill>
-                  <a:schemeClr val="bg1">
-                    <a:lumMod val="95000"/>
-                  </a:schemeClr>
-                </a:solidFill>
-              </a:rPr>
-              <a:t>която пълни двумерен масив с размер </a:t>
-            </a:r>
-            <a:r>
-              <a:rPr lang="en-US" dirty="0" err="1">
-                <a:solidFill>
-                  <a:schemeClr val="bg1">
-                    <a:lumMod val="95000"/>
-                  </a:schemeClr>
-                </a:solidFill>
-              </a:rPr>
-              <a:t>N</a:t>
-            </a:r>
-            <a:r>
-              <a:rPr lang="en-US" dirty="0" err="1" smtClean="0">
-                <a:solidFill>
-                  <a:schemeClr val="bg1">
-                    <a:lumMod val="95000"/>
-                  </a:schemeClr>
-                </a:solidFill>
-              </a:rPr>
-              <a:t>xN</a:t>
-            </a:r>
-            <a:r>
-              <a:rPr lang="bg-BG" dirty="0" smtClean="0">
-                <a:solidFill>
-                  <a:schemeClr val="bg1">
-                    <a:lumMod val="95000"/>
-                  </a:schemeClr>
-                </a:solidFill>
-              </a:rPr>
-              <a:t>, и след това намерете сумата по </a:t>
-            </a:r>
-            <a:r>
-              <a:rPr lang="bg-BG" smtClean="0">
-                <a:solidFill>
-                  <a:schemeClr val="bg1">
-                    <a:lumMod val="95000"/>
-                  </a:schemeClr>
-                </a:solidFill>
-              </a:rPr>
-              <a:t>главния диагонал.</a:t>
-            </a:r>
-            <a:endParaRPr lang="en-US" dirty="0"/>
-          </a:p>
-        </p:txBody>
-      </p:sp>
+            <a:pPr>
+              <a:buFont typeface="Wingdings" panose="05000000000000000000" pitchFamily="2" charset="2"/>
+              <a:buChar char="§"/>
+            </a:pPr>
+            <a:endParaRPr lang="en-US" dirty="0">
+              <a:solidFill>
+                <a:schemeClr val="bg1">
+                  <a:lumMod val="95000"/>
+                </a:schemeClr>
+              </a:solidFill>
+            </a:endParaRPr>
+          </a:p>
+          <a:p>
+            <a:pPr>
+              <a:buFont typeface="Wingdings" panose="05000000000000000000" pitchFamily="2" charset="2"/>
+              <a:buChar char="§"/>
+            </a:pPr>
+            <a:endParaRPr lang="en-US" dirty="0">
+              <a:solidFill>
+                <a:schemeClr val="bg1">
+                  <a:lumMod val="95000"/>
+                </a:schemeClr>
+              </a:solidFill>
+            </a:endParaRPr>
+          </a:p>
+          <a:p>
+            <a:pPr>
+              <a:buFont typeface="Wingdings" panose="05000000000000000000" pitchFamily="2" charset="2"/>
+              <a:buChar char="§"/>
+            </a:pPr>
+            <a:endParaRPr lang="en-US" dirty="0">
+              <a:solidFill>
+                <a:schemeClr val="bg1">
+                  <a:lumMod val="95000"/>
+                </a:schemeClr>
+              </a:solidFill>
+            </a:endParaRPr>
+          </a:p>
+          <a:p>
+            <a:pPr>
+              <a:buFont typeface="Wingdings" panose="05000000000000000000" pitchFamily="2" charset="2"/>
+              <a:buChar char="§"/>
+            </a:pPr>
+            <a:endParaRPr lang="en-US" dirty="0">
+              <a:solidFill>
+                <a:schemeClr val="bg1">
+                  <a:lumMod val="95000"/>
+                </a:schemeClr>
+              </a:solidFill>
+            </a:endParaRPr>
+          </a:p>
+        </p:txBody>
+      </p:sp>
+      <p:pic>
+        <p:nvPicPr>
+          <p:cNvPr id="1027" name="Picture 3" descr="C:\Users\Lazar\Desktop\01-red-question-mark1.jpg"/>
+          <p:cNvPicPr>
+            <a:picLocks noChangeAspect="1" noChangeArrowheads="1"/>
+          </p:cNvPicPr>
+          <p:nvPr/>
+        </p:nvPicPr>
+        <p:blipFill>
+          <a:blip r:embed="rId2" cstate="print">
+            <a:extLst>
+              <a:ext uri="{28A0092B-C50C-407E-A947-70E740481C1C}">
+                <a14:useLocalDpi xmlns:a14="http://schemas.microsoft.com/office/drawing/2010/main" val="0"/>
+              </a:ext>
+            </a:extLst>
+          </a:blip>
+          <a:srcRect/>
+          <a:stretch>
+            <a:fillRect/>
+          </a:stretch>
+        </p:blipFill>
+        <p:spPr bwMode="auto">
+          <a:xfrm>
+            <a:off x="3505200" y="2057400"/>
+            <a:ext cx="2419082" cy="2419082"/>
+          </a:xfrm>
+          <a:prstGeom prst="rect">
+            <a:avLst/>
+          </a:prstGeom>
+          <a:noFill/>
+          <a:extLst>
+            <a:ext uri="{909E8E84-426E-40DD-AFC4-6F175D3DCCD1}">
+              <a14:hiddenFill xmlns:a14="http://schemas.microsoft.com/office/drawing/2010/main">
+                <a:solidFill>
+                  <a:srgbClr val="FFFFFF"/>
+                </a:solidFill>
+              </a14:hiddenFill>
+            </a:ext>
+          </a:extLst>
+        </p:spPr>
+      </p:pic>
     </p:spTree>
     <p:extLst>
       <p:ext uri="{BB962C8B-B14F-4D97-AF65-F5344CB8AC3E}">
-        <p14:creationId xmlns:p14="http://schemas.microsoft.com/office/powerpoint/2010/main" val="2317720734"/>
+        <p14:creationId xmlns:p14="http://schemas.microsoft.com/office/powerpoint/2010/main" val="3854716579"/>
       </p:ext>
     </p:extLst>
   </p:cSld>
@@ -5105,7 +5142,7 @@
                   <a:schemeClr val="accent6"/>
                 </a:solidFill>
               </a:rPr>
-              <a:t>Въпроси</a:t>
+              <a:t>Задачи за домашна работа</a:t>
             </a:r>
             <a:endParaRPr lang="bg-BG" dirty="0">
               <a:solidFill>
@@ -5128,12 +5165,12 @@
         <p:spPr>
           <a:xfrm>
             <a:off x="762000" y="1676400"/>
-            <a:ext cx="7620000" cy="4525963"/>
+            <a:ext cx="7239000" cy="4876800"/>
           </a:xfrm>
         </p:spPr>
         <p:txBody>
           <a:bodyPr>
-            <a:normAutofit/>
+            <a:noAutofit/>
           </a:bodyPr>
           <a:lstStyle/>
           <a:p>
@@ -5141,7 +5178,17 @@
               <a:buFont typeface="Wingdings" panose="05000000000000000000" pitchFamily="2" charset="2"/>
               <a:buChar char="§"/>
             </a:pPr>
-            <a:endParaRPr lang="en-US" dirty="0">
+            <a:r>
+              <a:rPr lang="bg-BG" sz="2800" dirty="0" smtClean="0">
+                <a:solidFill>
+                  <a:schemeClr val="bg1">
+                    <a:lumMod val="95000"/>
+                  </a:schemeClr>
+                </a:solidFill>
+              </a:rPr>
+              <a:t>Напишете програма, която обхожда предварително създаден двумерен масив от числа и извежда на екрана само четните.</a:t>
+            </a:r>
+            <a:endParaRPr lang="en-US" sz="2800" dirty="0" smtClean="0">
               <a:solidFill>
                 <a:schemeClr val="bg1">
                   <a:lumMod val="95000"/>
@@ -5154,7 +5201,7 @@
               <a:buFont typeface="Wingdings" panose="05000000000000000000" pitchFamily="2" charset="2"/>
               <a:buChar char="§"/>
             </a:pPr>
-            <a:endParaRPr lang="en-US" dirty="0">
+            <a:endParaRPr lang="ru-RU" sz="2800" dirty="0">
               <a:solidFill>
                 <a:schemeClr val="bg1">
                   <a:lumMod val="95000"/>
@@ -5167,7 +5214,17 @@
               <a:buFont typeface="Wingdings" panose="05000000000000000000" pitchFamily="2" charset="2"/>
               <a:buChar char="§"/>
             </a:pPr>
-            <a:endParaRPr lang="en-US" dirty="0">
+            <a:r>
+              <a:rPr lang="bg-BG" sz="2800" dirty="0" smtClean="0">
+                <a:solidFill>
+                  <a:schemeClr val="bg1">
+                    <a:lumMod val="95000"/>
+                  </a:schemeClr>
+                </a:solidFill>
+              </a:rPr>
+              <a:t>Напишете програма, която позволява на потребителя да попълва масив с размери 3х4. Изведете масива на екрана.</a:t>
+            </a:r>
+            <a:endParaRPr lang="bg-BG" sz="2400" dirty="0">
               <a:solidFill>
                 <a:schemeClr val="bg1">
                   <a:lumMod val="95000"/>
@@ -5180,7 +5237,7 @@
               <a:buFont typeface="Wingdings" panose="05000000000000000000" pitchFamily="2" charset="2"/>
               <a:buChar char="§"/>
             </a:pPr>
-            <a:endParaRPr lang="en-US" dirty="0">
+            <a:endParaRPr lang="ru-RU" sz="2800" dirty="0">
               <a:solidFill>
                 <a:schemeClr val="bg1">
                   <a:lumMod val="95000"/>
@@ -5188,53 +5245,24 @@
               </a:solidFill>
             </a:endParaRPr>
           </a:p>
-        </p:txBody>
-      </p:sp>
-      <p:pic>
-        <p:nvPicPr>
-          <p:cNvPr id="1027" name="Picture 3" descr="C:\Users\Lazar\Desktop\01-red-question-mark1.jpg"/>
-          <p:cNvPicPr>
-            <a:picLocks noChangeAspect="1" noChangeArrowheads="1"/>
-          </p:cNvPicPr>
-          <p:nvPr/>
-        </p:nvPicPr>
-        <p:blipFill>
-          <a:blip r:embed="rId2" cstate="print">
-            <a:extLst>
-              <a:ext uri="{28A0092B-C50C-407E-A947-70E740481C1C}">
-                <a14:useLocalDpi xmlns:a14="http://schemas.microsoft.com/office/drawing/2010/main" val="0"/>
-              </a:ext>
-            </a:extLst>
-          </a:blip>
-          <a:srcRect/>
-          <a:stretch>
-            <a:fillRect/>
-          </a:stretch>
-        </p:blipFill>
-        <p:spPr bwMode="auto">
-          <a:xfrm>
-            <a:off x="3505200" y="2057400"/>
-            <a:ext cx="2419082" cy="2419082"/>
-          </a:xfrm>
-          <a:prstGeom prst="rect">
-            <a:avLst/>
-          </a:prstGeom>
-          <a:noFill/>
-          <a:extLst>
-            <a:ext uri="{909E8E84-426E-40DD-AFC4-6F175D3DCCD1}">
-              <a14:hiddenFill xmlns:a14="http://schemas.microsoft.com/office/drawing/2010/main">
-                <a:solidFill>
-                  <a:srgbClr val="FFFFFF"/>
-                </a:solidFill>
-              </a14:hiddenFill>
-            </a:ext>
-          </a:extLst>
-        </p:spPr>
-      </p:pic>
+          <a:p>
+            <a:pPr marL="0" indent="0">
+              <a:buNone/>
+            </a:pPr>
+            <a:endParaRPr lang="en-US" sz="2000" dirty="0" smtClean="0">
+              <a:solidFill>
+                <a:schemeClr val="bg1">
+                  <a:lumMod val="95000"/>
+                </a:schemeClr>
+              </a:solidFill>
+            </a:endParaRPr>
+          </a:p>
+        </p:txBody>
+      </p:sp>
     </p:spTree>
     <p:extLst>
       <p:ext uri="{BB962C8B-B14F-4D97-AF65-F5344CB8AC3E}">
-        <p14:creationId xmlns:p14="http://schemas.microsoft.com/office/powerpoint/2010/main" val="3854716579"/>
+        <p14:creationId xmlns:p14="http://schemas.microsoft.com/office/powerpoint/2010/main" val="2116233219"/>
       </p:ext>
     </p:extLst>
   </p:cSld>
@@ -5332,6 +5360,276 @@
               <a:buChar char="§"/>
             </a:pPr>
             <a:r>
+              <a:rPr lang="bg-BG" sz="2800" dirty="0">
+                <a:solidFill>
+                  <a:schemeClr val="bg1">
+                    <a:lumMod val="95000"/>
+                  </a:schemeClr>
+                </a:solidFill>
+              </a:rPr>
+              <a:t>Напишете </a:t>
+            </a:r>
+            <a:r>
+              <a:rPr lang="ru-RU" sz="2800" dirty="0" err="1" smtClean="0">
+                <a:solidFill>
+                  <a:schemeClr val="bg1">
+                    <a:lumMod val="95000"/>
+                  </a:schemeClr>
+                </a:solidFill>
+              </a:rPr>
+              <a:t>програма</a:t>
+            </a:r>
+            <a:r>
+              <a:rPr lang="ru-RU" sz="2800" dirty="0">
+                <a:solidFill>
+                  <a:schemeClr val="bg1">
+                    <a:lumMod val="95000"/>
+                  </a:schemeClr>
+                </a:solidFill>
+              </a:rPr>
+              <a:t>, </a:t>
+            </a:r>
+            <a:r>
+              <a:rPr lang="ru-RU" sz="2800" dirty="0" err="1">
+                <a:solidFill>
+                  <a:schemeClr val="bg1">
+                    <a:lumMod val="95000"/>
+                  </a:schemeClr>
+                </a:solidFill>
+              </a:rPr>
+              <a:t>която</a:t>
+            </a:r>
+            <a:r>
+              <a:rPr lang="ru-RU" sz="2800" dirty="0">
+                <a:solidFill>
+                  <a:schemeClr val="bg1">
+                    <a:lumMod val="95000"/>
+                  </a:schemeClr>
+                </a:solidFill>
+              </a:rPr>
+              <a:t> приема от </a:t>
+            </a:r>
+            <a:r>
+              <a:rPr lang="ru-RU" sz="2800" dirty="0" err="1">
+                <a:solidFill>
+                  <a:schemeClr val="bg1">
+                    <a:lumMod val="95000"/>
+                  </a:schemeClr>
+                </a:solidFill>
+              </a:rPr>
+              <a:t>конзолата</a:t>
+            </a:r>
+            <a:r>
+              <a:rPr lang="ru-RU" sz="2800" dirty="0">
+                <a:solidFill>
+                  <a:schemeClr val="bg1">
+                    <a:lumMod val="95000"/>
+                  </a:schemeClr>
+                </a:solidFill>
+              </a:rPr>
+              <a:t> 2 числа </a:t>
+            </a:r>
+            <a:r>
+              <a:rPr lang="en-US" sz="2800" dirty="0" smtClean="0">
+                <a:solidFill>
+                  <a:schemeClr val="bg1">
+                    <a:lumMod val="95000"/>
+                  </a:schemeClr>
+                </a:solidFill>
+              </a:rPr>
+              <a:t>a</a:t>
+            </a:r>
+            <a:r>
+              <a:rPr lang="ru-RU" sz="2800" dirty="0" smtClean="0">
+                <a:solidFill>
+                  <a:schemeClr val="bg1">
+                    <a:lumMod val="95000"/>
+                  </a:schemeClr>
+                </a:solidFill>
+              </a:rPr>
+              <a:t> </a:t>
+            </a:r>
+            <a:r>
+              <a:rPr lang="ru-RU" sz="2800" dirty="0">
+                <a:solidFill>
+                  <a:schemeClr val="bg1">
+                    <a:lumMod val="95000"/>
+                  </a:schemeClr>
+                </a:solidFill>
+              </a:rPr>
+              <a:t>и b </a:t>
+            </a:r>
+            <a:r>
+              <a:rPr lang="ru-RU" sz="2800" dirty="0" smtClean="0">
+                <a:solidFill>
+                  <a:schemeClr val="bg1">
+                    <a:lumMod val="95000"/>
+                  </a:schemeClr>
+                </a:solidFill>
+              </a:rPr>
+              <a:t>(</a:t>
+            </a:r>
+            <a:r>
+              <a:rPr lang="en-US" sz="2800" dirty="0" smtClean="0">
+                <a:solidFill>
+                  <a:schemeClr val="bg1">
+                    <a:lumMod val="95000"/>
+                  </a:schemeClr>
+                </a:solidFill>
+              </a:rPr>
+              <a:t>b</a:t>
+            </a:r>
+            <a:r>
+              <a:rPr lang="ru-RU" sz="2800" dirty="0" smtClean="0">
+                <a:solidFill>
+                  <a:schemeClr val="bg1">
+                    <a:lumMod val="95000"/>
+                  </a:schemeClr>
+                </a:solidFill>
+              </a:rPr>
+              <a:t> </a:t>
+            </a:r>
+            <a:r>
+              <a:rPr lang="ru-RU" sz="2800" dirty="0">
+                <a:solidFill>
+                  <a:schemeClr val="bg1">
+                    <a:lumMod val="95000"/>
+                  </a:schemeClr>
+                </a:solidFill>
+              </a:rPr>
+              <a:t>&gt; </a:t>
+            </a:r>
+            <a:r>
+              <a:rPr lang="en-US" sz="2800" dirty="0" smtClean="0">
+                <a:solidFill>
+                  <a:schemeClr val="bg1">
+                    <a:lumMod val="95000"/>
+                  </a:schemeClr>
+                </a:solidFill>
+              </a:rPr>
+              <a:t>a</a:t>
+            </a:r>
+            <a:r>
+              <a:rPr lang="ru-RU" sz="2800" dirty="0" smtClean="0">
+                <a:solidFill>
+                  <a:schemeClr val="bg1">
+                    <a:lumMod val="95000"/>
+                  </a:schemeClr>
+                </a:solidFill>
+              </a:rPr>
+              <a:t>) </a:t>
+            </a:r>
+            <a:r>
+              <a:rPr lang="ru-RU" sz="2800" dirty="0">
+                <a:solidFill>
+                  <a:schemeClr val="bg1">
+                    <a:lumMod val="95000"/>
+                  </a:schemeClr>
+                </a:solidFill>
+              </a:rPr>
+              <a:t>и </a:t>
+            </a:r>
+            <a:r>
+              <a:rPr lang="ru-RU" sz="2800" dirty="0" err="1">
+                <a:solidFill>
+                  <a:schemeClr val="bg1">
+                    <a:lumMod val="95000"/>
+                  </a:schemeClr>
+                </a:solidFill>
+              </a:rPr>
+              <a:t>изкарва</a:t>
+            </a:r>
+            <a:r>
+              <a:rPr lang="ru-RU" sz="2800" dirty="0">
+                <a:solidFill>
+                  <a:schemeClr val="bg1">
+                    <a:lumMod val="95000"/>
+                  </a:schemeClr>
+                </a:solidFill>
+              </a:rPr>
+              <a:t> на </a:t>
+            </a:r>
+            <a:r>
+              <a:rPr lang="ru-RU" sz="2800" dirty="0" err="1">
+                <a:solidFill>
+                  <a:schemeClr val="bg1">
+                    <a:lumMod val="95000"/>
+                  </a:schemeClr>
+                </a:solidFill>
+              </a:rPr>
+              <a:t>екрана</a:t>
+            </a:r>
+            <a:r>
+              <a:rPr lang="ru-RU" sz="2800" dirty="0">
+                <a:solidFill>
+                  <a:schemeClr val="bg1">
+                    <a:lumMod val="95000"/>
+                  </a:schemeClr>
+                </a:solidFill>
+              </a:rPr>
+              <a:t> </a:t>
+            </a:r>
+            <a:r>
+              <a:rPr lang="ru-RU" sz="2800" dirty="0" err="1">
+                <a:solidFill>
+                  <a:schemeClr val="bg1">
+                    <a:lumMod val="95000"/>
+                  </a:schemeClr>
+                </a:solidFill>
+              </a:rPr>
+              <a:t>всички</a:t>
+            </a:r>
+            <a:r>
+              <a:rPr lang="ru-RU" sz="2800" dirty="0">
+                <a:solidFill>
+                  <a:schemeClr val="bg1">
+                    <a:lumMod val="95000"/>
+                  </a:schemeClr>
+                </a:solidFill>
+              </a:rPr>
+              <a:t> числа от </a:t>
+            </a:r>
+            <a:r>
+              <a:rPr lang="en-US" sz="2800" dirty="0" smtClean="0">
+                <a:solidFill>
+                  <a:schemeClr val="bg1">
+                    <a:lumMod val="95000"/>
+                  </a:schemeClr>
+                </a:solidFill>
+              </a:rPr>
+              <a:t>a</a:t>
+            </a:r>
+            <a:r>
+              <a:rPr lang="ru-RU" sz="2800" dirty="0" smtClean="0">
+                <a:solidFill>
+                  <a:schemeClr val="bg1">
+                    <a:lumMod val="95000"/>
+                  </a:schemeClr>
+                </a:solidFill>
+              </a:rPr>
+              <a:t> </a:t>
+            </a:r>
+            <a:r>
+              <a:rPr lang="ru-RU" sz="2800" dirty="0">
+                <a:solidFill>
+                  <a:schemeClr val="bg1">
+                    <a:lumMod val="95000"/>
+                  </a:schemeClr>
+                </a:solidFill>
+              </a:rPr>
+              <a:t>до </a:t>
+            </a:r>
+            <a:r>
+              <a:rPr lang="en-US" sz="2800" dirty="0" smtClean="0">
+                <a:solidFill>
+                  <a:schemeClr val="bg1">
+                    <a:lumMod val="95000"/>
+                  </a:schemeClr>
+                </a:solidFill>
+              </a:rPr>
+              <a:t>b</a:t>
+            </a:r>
+            <a:r>
               <a:rPr lang="bg-BG" sz="2800" dirty="0" smtClean="0">
                 <a:solidFill>
                   <a:schemeClr val="bg1">
@@ -5339,21 +5637,48 @@
                   </a:schemeClr>
                 </a:solidFill>
               </a:rPr>
-              <a:t>Напишете програма, която обхожда предварително създаден двумерен масив от числа и извежда на екрана само четните.</a:t>
-            </a:r>
-            <a:endParaRPr lang="en-US" sz="2800" dirty="0" smtClean="0">
-              <a:solidFill>
-                <a:schemeClr val="bg1">
-                  <a:lumMod val="95000"/>
-                </a:schemeClr>
-              </a:solidFill>
-            </a:endParaRPr>
-          </a:p>
-          <a:p>
-            <a:pPr>
-              <a:buFont typeface="Wingdings" panose="05000000000000000000" pitchFamily="2" charset="2"/>
-              <a:buChar char="§"/>
-            </a:pPr>
+              <a:t>,</a:t>
+            </a:r>
+            <a:r>
+              <a:rPr lang="ru-RU" sz="2800" dirty="0" smtClean="0">
+                <a:solidFill>
+                  <a:schemeClr val="bg1">
+                    <a:lumMod val="95000"/>
+                  </a:schemeClr>
+                </a:solidFill>
+              </a:rPr>
+              <a:t> </a:t>
+            </a:r>
+            <a:r>
+              <a:rPr lang="ru-RU" sz="2800" dirty="0" err="1">
+                <a:solidFill>
+                  <a:schemeClr val="bg1">
+                    <a:lumMod val="95000"/>
+                  </a:schemeClr>
+                </a:solidFill>
+              </a:rPr>
+              <a:t>които</a:t>
+            </a:r>
+            <a:r>
+              <a:rPr lang="ru-RU" sz="2800" dirty="0">
+                <a:solidFill>
+                  <a:schemeClr val="bg1">
+                    <a:lumMod val="95000"/>
+                  </a:schemeClr>
+                </a:solidFill>
+              </a:rPr>
+              <a:t> се делят на 3 без </a:t>
+            </a:r>
+            <a:r>
+              <a:rPr lang="ru-RU" sz="2800" dirty="0" err="1">
+                <a:solidFill>
+                  <a:schemeClr val="bg1">
+                    <a:lumMod val="95000"/>
+                  </a:schemeClr>
+                </a:solidFill>
+              </a:rPr>
+              <a:t>остатък</a:t>
+            </a:r>
             <a:endParaRPr lang="ru-RU" sz="2800" dirty="0">
               <a:solidFill>
                 <a:schemeClr val="bg1">
@@ -5368,35 +5693,175 @@
               <a:buChar char="§"/>
             </a:pPr>
             <a:r>
-              <a:rPr lang="bg-BG" sz="2800" dirty="0" smtClean="0">
-                <a:solidFill>
-                  <a:schemeClr val="bg1">
-                    <a:lumMod val="95000"/>
-                  </a:schemeClr>
-                </a:solidFill>
-              </a:rPr>
-              <a:t>Напишете програма, която позволява на потребителя да попълва масив с размери 3х4. Изведете масива на екрана.</a:t>
-            </a:r>
-            <a:endParaRPr lang="bg-BG" sz="2400" dirty="0">
-              <a:solidFill>
-                <a:schemeClr val="bg1">
-                  <a:lumMod val="95000"/>
-                </a:schemeClr>
-              </a:solidFill>
-            </a:endParaRPr>
-          </a:p>
-          <a:p>
-            <a:pPr>
-              <a:buFont typeface="Wingdings" panose="05000000000000000000" pitchFamily="2" charset="2"/>
-              <a:buChar char="§"/>
-            </a:pPr>
-            <a:endParaRPr lang="ru-RU" sz="2800" dirty="0">
-              <a:solidFill>
-                <a:schemeClr val="bg1">
-                  <a:lumMod val="95000"/>
-                </a:schemeClr>
-              </a:solidFill>
-            </a:endParaRPr>
+              <a:rPr lang="bg-BG" sz="2800" dirty="0">
+                <a:solidFill>
+                  <a:schemeClr val="bg1">
+                    <a:lumMod val="95000"/>
+                  </a:schemeClr>
+                </a:solidFill>
+              </a:rPr>
+              <a:t>Напишете </a:t>
+            </a:r>
+            <a:r>
+              <a:rPr lang="ru-RU" sz="2800" dirty="0" err="1" smtClean="0">
+                <a:solidFill>
+                  <a:schemeClr val="bg1">
+                    <a:lumMod val="95000"/>
+                  </a:schemeClr>
+                </a:solidFill>
+              </a:rPr>
+              <a:t>програма</a:t>
+            </a:r>
+            <a:r>
+              <a:rPr lang="ru-RU" sz="2800" dirty="0">
+                <a:solidFill>
+                  <a:schemeClr val="bg1">
+                    <a:lumMod val="95000"/>
+                  </a:schemeClr>
+                </a:solidFill>
+              </a:rPr>
+              <a:t>, </a:t>
+            </a:r>
+            <a:r>
+              <a:rPr lang="ru-RU" sz="2800" dirty="0" err="1">
+                <a:solidFill>
+                  <a:schemeClr val="bg1">
+                    <a:lumMod val="95000"/>
+                  </a:schemeClr>
+                </a:solidFill>
+              </a:rPr>
+              <a:t>която</a:t>
+            </a:r>
+            <a:r>
+              <a:rPr lang="ru-RU" sz="2800" dirty="0">
+                <a:solidFill>
+                  <a:schemeClr val="bg1">
+                    <a:lumMod val="95000"/>
+                  </a:schemeClr>
+                </a:solidFill>
+              </a:rPr>
+              <a:t> </a:t>
+            </a:r>
+            <a:r>
+              <a:rPr lang="ru-RU" sz="2800" dirty="0" err="1">
+                <a:solidFill>
+                  <a:schemeClr val="bg1">
+                    <a:lumMod val="95000"/>
+                  </a:schemeClr>
+                </a:solidFill>
+              </a:rPr>
+              <a:t>принтира</a:t>
+            </a:r>
+            <a:r>
+              <a:rPr lang="ru-RU" sz="2800" dirty="0">
+                <a:solidFill>
+                  <a:schemeClr val="bg1">
+                    <a:lumMod val="95000"/>
+                  </a:schemeClr>
+                </a:solidFill>
+              </a:rPr>
+              <a:t> на </a:t>
+            </a:r>
+            <a:r>
+              <a:rPr lang="ru-RU" sz="2800" dirty="0" err="1">
+                <a:solidFill>
+                  <a:schemeClr val="bg1">
+                    <a:lumMod val="95000"/>
+                  </a:schemeClr>
+                </a:solidFill>
+              </a:rPr>
+              <a:t>екрана</a:t>
+            </a:r>
+            <a:r>
+              <a:rPr lang="ru-RU" sz="2800" dirty="0">
+                <a:solidFill>
+                  <a:schemeClr val="bg1">
+                    <a:lumMod val="95000"/>
+                  </a:schemeClr>
+                </a:solidFill>
+              </a:rPr>
+              <a:t> </a:t>
+            </a:r>
+            <a:r>
+              <a:rPr lang="ru-RU" sz="2800" dirty="0" err="1">
+                <a:solidFill>
+                  <a:schemeClr val="bg1">
+                    <a:lumMod val="95000"/>
+                  </a:schemeClr>
+                </a:solidFill>
+              </a:rPr>
+              <a:t>числата</a:t>
+            </a:r>
+            <a:r>
+              <a:rPr lang="ru-RU" sz="2800" dirty="0">
+                <a:solidFill>
+                  <a:schemeClr val="bg1">
+                    <a:lumMod val="95000"/>
+                  </a:schemeClr>
+                </a:solidFill>
+              </a:rPr>
+              <a:t> от 30 до 1 в обратен </a:t>
+            </a:r>
+            <a:r>
+              <a:rPr lang="ru-RU" sz="2800" dirty="0" err="1" smtClean="0">
+                <a:solidFill>
+                  <a:schemeClr val="bg1">
+                    <a:lumMod val="95000"/>
+                  </a:schemeClr>
+                </a:solidFill>
+              </a:rPr>
+              <a:t>ред</a:t>
+            </a:r>
+            <a:r>
+              <a:rPr lang="ru-RU" sz="2800" dirty="0" smtClean="0">
+                <a:solidFill>
+                  <a:schemeClr val="bg1">
+                    <a:lumMod val="95000"/>
+                  </a:schemeClr>
+                </a:solidFill>
+              </a:rPr>
+              <a:t>, </a:t>
+            </a:r>
+            <a:r>
+              <a:rPr lang="ru-RU" sz="2800" dirty="0" err="1">
+                <a:solidFill>
+                  <a:schemeClr val="bg1">
+                    <a:lumMod val="95000"/>
+                  </a:schemeClr>
+                </a:solidFill>
+              </a:rPr>
+              <a:t>подредени</a:t>
+            </a:r>
+            <a:r>
+              <a:rPr lang="ru-RU" sz="2800" dirty="0">
+                <a:solidFill>
+                  <a:schemeClr val="bg1">
+                    <a:lumMod val="95000"/>
+                  </a:schemeClr>
+                </a:solidFill>
+              </a:rPr>
+              <a:t> в 5 </a:t>
+            </a:r>
+            <a:r>
+              <a:rPr lang="ru-RU" sz="2800" dirty="0" err="1">
+                <a:solidFill>
+                  <a:schemeClr val="bg1">
+                    <a:lumMod val="95000"/>
+                  </a:schemeClr>
+                </a:solidFill>
+              </a:rPr>
+              <a:t>реда</a:t>
+            </a:r>
+            <a:r>
+              <a:rPr lang="ru-RU" sz="2800" dirty="0">
+                <a:solidFill>
+                  <a:schemeClr val="bg1">
+                    <a:lumMod val="95000"/>
+                  </a:schemeClr>
+                </a:solidFill>
+              </a:rPr>
+              <a:t> и 6 колони</a:t>
+            </a:r>
           </a:p>
           <a:p>
             <a:pPr marL="0" indent="0">
@@ -5415,7 +5880,7 @@
     </p:spTree>
     <p:extLst>
       <p:ext uri="{BB962C8B-B14F-4D97-AF65-F5344CB8AC3E}">
-        <p14:creationId xmlns:p14="http://schemas.microsoft.com/office/powerpoint/2010/main" val="2116233219"/>
+        <p14:creationId xmlns:p14="http://schemas.microsoft.com/office/powerpoint/2010/main" val="204655327"/>
       </p:ext>
     </p:extLst>
   </p:cSld>
@@ -5520,67 +5985,57 @@
                   </a:schemeClr>
                 </a:solidFill>
               </a:rPr>
-              <a:t>Напишете </a:t>
-            </a:r>
-            <a:r>
-              <a:rPr lang="ru-RU" sz="2800" dirty="0" err="1" smtClean="0">
-                <a:solidFill>
-                  <a:schemeClr val="bg1">
-                    <a:lumMod val="95000"/>
-                  </a:schemeClr>
-                </a:solidFill>
-              </a:rPr>
-              <a:t>програма</a:t>
-            </a:r>
-            <a:r>
-              <a:rPr lang="ru-RU" sz="2800" dirty="0">
-                <a:solidFill>
-                  <a:schemeClr val="bg1">
-                    <a:lumMod val="95000"/>
-                  </a:schemeClr>
-                </a:solidFill>
-              </a:rPr>
-              <a:t>, </a:t>
-            </a:r>
-            <a:r>
-              <a:rPr lang="ru-RU" sz="2800" dirty="0" err="1">
-                <a:solidFill>
-                  <a:schemeClr val="bg1">
-                    <a:lumMod val="95000"/>
-                  </a:schemeClr>
-                </a:solidFill>
-              </a:rPr>
-              <a:t>която</a:t>
-            </a:r>
-            <a:r>
-              <a:rPr lang="ru-RU" sz="2800" dirty="0">
-                <a:solidFill>
-                  <a:schemeClr val="bg1">
-                    <a:lumMod val="95000"/>
-                  </a:schemeClr>
-                </a:solidFill>
-              </a:rPr>
-              <a:t> приема от </a:t>
-            </a:r>
-            <a:r>
-              <a:rPr lang="ru-RU" sz="2800" dirty="0" err="1">
-                <a:solidFill>
-                  <a:schemeClr val="bg1">
-                    <a:lumMod val="95000"/>
-                  </a:schemeClr>
-                </a:solidFill>
-              </a:rPr>
-              <a:t>конзолата</a:t>
-            </a:r>
-            <a:r>
-              <a:rPr lang="ru-RU" sz="2800" dirty="0">
-                <a:solidFill>
-                  <a:schemeClr val="bg1">
-                    <a:lumMod val="95000"/>
-                  </a:schemeClr>
-                </a:solidFill>
-              </a:rPr>
-              <a:t> 2 числа </a:t>
+              <a:t>Напишете програма</a:t>
+            </a:r>
+            <a:r>
+              <a:rPr lang="en-US" sz="2800" dirty="0">
+                <a:solidFill>
+                  <a:schemeClr val="bg1">
+                    <a:lumMod val="95000"/>
+                  </a:schemeClr>
+                </a:solidFill>
+              </a:rPr>
+              <a:t>,  </a:t>
+            </a:r>
+            <a:r>
+              <a:rPr lang="bg-BG" sz="2800" dirty="0">
+                <a:solidFill>
+                  <a:schemeClr val="bg1">
+                    <a:lumMod val="95000"/>
+                  </a:schemeClr>
+                </a:solidFill>
+              </a:rPr>
+              <a:t>която пълни двумерен масив с размер </a:t>
+            </a:r>
+            <a:r>
+              <a:rPr lang="en-US" sz="2800" dirty="0" err="1">
+                <a:solidFill>
+                  <a:schemeClr val="bg1">
+                    <a:lumMod val="95000"/>
+                  </a:schemeClr>
+                </a:solidFill>
+              </a:rPr>
+              <a:t>NxN</a:t>
+            </a:r>
+            <a:r>
+              <a:rPr lang="bg-BG" sz="2800" dirty="0">
+                <a:solidFill>
+                  <a:schemeClr val="bg1">
+                    <a:lumMod val="95000"/>
+                  </a:schemeClr>
+                </a:solidFill>
+              </a:rPr>
+              <a:t>, и след това намерете сумата по главния диагонал</a:t>
+            </a:r>
+            <a:r>
+              <a:rPr lang="bg-BG" sz="2800" dirty="0" smtClean="0">
+                <a:solidFill>
+                  <a:schemeClr val="bg1">
+                    <a:lumMod val="95000"/>
+                  </a:schemeClr>
+                </a:solidFill>
+              </a:rPr>
+              <a:t>.</a:t>
             </a:r>
             <a:r>
               <a:rPr lang="en-US" sz="2800" dirty="0" smtClean="0">
@@ -5590,441 +6045,19 @@
                   </a:schemeClr>
                 </a:solidFill>
               </a:rPr>
-              <a:t>a</a:t>
-            </a:r>
-            <a:r>
-              <a:rPr lang="ru-RU" sz="2800" dirty="0" smtClean="0">
-                <a:solidFill>
-                  <a:schemeClr val="bg1">
-                    <a:lumMod val="95000"/>
-                  </a:schemeClr>
-                </a:solidFill>
-              </a:rPr>
               <a:t> </a:t>
             </a:r>
             <a:r>
-              <a:rPr lang="ru-RU" sz="2800" dirty="0">
-                <a:solidFill>
-                  <a:schemeClr val="bg1">
-                    <a:lumMod val="95000"/>
-                  </a:schemeClr>
-                </a:solidFill>
-              </a:rPr>
-              <a:t>и b </a:t>
-            </a:r>
-            <a:r>
-              <a:rPr lang="ru-RU" sz="2800" dirty="0" smtClean="0">
-                <a:solidFill>
-                  <a:schemeClr val="bg1">
-                    <a:lumMod val="95000"/>
-                  </a:schemeClr>
-                </a:solidFill>
-              </a:rPr>
-              <a:t>(</a:t>
-            </a:r>
-            <a:r>
-              <a:rPr lang="en-US" sz="2800" dirty="0" smtClean="0">
-                <a:solidFill>
-                  <a:schemeClr val="bg1">
-                    <a:lumMod val="95000"/>
-                  </a:schemeClr>
-                </a:solidFill>
-              </a:rPr>
-              <a:t>b</a:t>
-            </a:r>
-            <a:r>
-              <a:rPr lang="ru-RU" sz="2800" dirty="0" smtClean="0">
-                <a:solidFill>
-                  <a:schemeClr val="bg1">
-                    <a:lumMod val="95000"/>
-                  </a:schemeClr>
-                </a:solidFill>
-              </a:rPr>
-              <a:t> </a:t>
-            </a:r>
-            <a:r>
-              <a:rPr lang="ru-RU" sz="2800" dirty="0">
-                <a:solidFill>
-                  <a:schemeClr val="bg1">
-                    <a:lumMod val="95000"/>
-                  </a:schemeClr>
-                </a:solidFill>
-              </a:rPr>
-              <a:t>&gt; </a:t>
-            </a:r>
-            <a:r>
-              <a:rPr lang="en-US" sz="2800" dirty="0" smtClean="0">
-                <a:solidFill>
-                  <a:schemeClr val="bg1">
-                    <a:lumMod val="95000"/>
-                  </a:schemeClr>
-                </a:solidFill>
-              </a:rPr>
-              <a:t>a</a:t>
-            </a:r>
-            <a:r>
-              <a:rPr lang="ru-RU" sz="2800" dirty="0" smtClean="0">
-                <a:solidFill>
-                  <a:schemeClr val="bg1">
-                    <a:lumMod val="95000"/>
-                  </a:schemeClr>
-                </a:solidFill>
-              </a:rPr>
-              <a:t>) </a:t>
-            </a:r>
-            <a:r>
-              <a:rPr lang="ru-RU" sz="2800" dirty="0">
-                <a:solidFill>
-                  <a:schemeClr val="bg1">
-                    <a:lumMod val="95000"/>
-                  </a:schemeClr>
-                </a:solidFill>
-              </a:rPr>
-              <a:t>и </a:t>
-            </a:r>
-            <a:r>
-              <a:rPr lang="ru-RU" sz="2800" dirty="0" err="1">
-                <a:solidFill>
-                  <a:schemeClr val="bg1">
-                    <a:lumMod val="95000"/>
-                  </a:schemeClr>
-                </a:solidFill>
-              </a:rPr>
-              <a:t>изкарва</a:t>
-            </a:r>
-            <a:r>
-              <a:rPr lang="ru-RU" sz="2800" dirty="0">
-                <a:solidFill>
-                  <a:schemeClr val="bg1">
-                    <a:lumMod val="95000"/>
-                  </a:schemeClr>
-                </a:solidFill>
-              </a:rPr>
-              <a:t> на </a:t>
-            </a:r>
-            <a:r>
-              <a:rPr lang="ru-RU" sz="2800" dirty="0" err="1">
-                <a:solidFill>
-                  <a:schemeClr val="bg1">
-                    <a:lumMod val="95000"/>
-                  </a:schemeClr>
-                </a:solidFill>
-              </a:rPr>
-              <a:t>екрана</a:t>
-            </a:r>
-            <a:r>
-              <a:rPr lang="ru-RU" sz="2800" dirty="0">
-                <a:solidFill>
-                  <a:schemeClr val="bg1">
-                    <a:lumMod val="95000"/>
-                  </a:schemeClr>
-                </a:solidFill>
-              </a:rPr>
-              <a:t> </a:t>
-            </a:r>
-            <a:r>
-              <a:rPr lang="ru-RU" sz="2800" dirty="0" err="1">
-                <a:solidFill>
-                  <a:schemeClr val="bg1">
-                    <a:lumMod val="95000"/>
-                  </a:schemeClr>
-                </a:solidFill>
-              </a:rPr>
-              <a:t>всички</a:t>
-            </a:r>
-            <a:r>
-              <a:rPr lang="ru-RU" sz="2800" dirty="0">
-                <a:solidFill>
-                  <a:schemeClr val="bg1">
-                    <a:lumMod val="95000"/>
-                  </a:schemeClr>
-                </a:solidFill>
-              </a:rPr>
-              <a:t> числа от </a:t>
-            </a:r>
-            <a:r>
-              <a:rPr lang="en-US" sz="2800" dirty="0" smtClean="0">
-                <a:solidFill>
-                  <a:schemeClr val="bg1">
-                    <a:lumMod val="95000"/>
-                  </a:schemeClr>
-                </a:solidFill>
-              </a:rPr>
-              <a:t>a</a:t>
-            </a:r>
-            <a:r>
-              <a:rPr lang="ru-RU" sz="2800" dirty="0" smtClean="0">
-                <a:solidFill>
-                  <a:schemeClr val="bg1">
-                    <a:lumMod val="95000"/>
-                  </a:schemeClr>
-                </a:solidFill>
-              </a:rPr>
-              <a:t> </a:t>
-            </a:r>
-            <a:r>
-              <a:rPr lang="ru-RU" sz="2800" dirty="0">
-                <a:solidFill>
-                  <a:schemeClr val="bg1">
-                    <a:lumMod val="95000"/>
-                  </a:schemeClr>
-                </a:solidFill>
-              </a:rPr>
-              <a:t>до </a:t>
-            </a:r>
-            <a:r>
-              <a:rPr lang="en-US" sz="2800" dirty="0" smtClean="0">
-                <a:solidFill>
-                  <a:schemeClr val="bg1">
-                    <a:lumMod val="95000"/>
-                  </a:schemeClr>
-                </a:solidFill>
-              </a:rPr>
-              <a:t>b</a:t>
-            </a:r>
-            <a:r>
-              <a:rPr lang="bg-BG" sz="2800" dirty="0" smtClean="0">
-                <a:solidFill>
-                  <a:schemeClr val="bg1">
-                    <a:lumMod val="95000"/>
-                  </a:schemeClr>
-                </a:solidFill>
-              </a:rPr>
-              <a:t>,</a:t>
-            </a:r>
-            <a:r>
-              <a:rPr lang="ru-RU" sz="2800" dirty="0" smtClean="0">
-                <a:solidFill>
-                  <a:schemeClr val="bg1">
-                    <a:lumMod val="95000"/>
-                  </a:schemeClr>
-                </a:solidFill>
-              </a:rPr>
-              <a:t> </a:t>
-            </a:r>
-            <a:r>
-              <a:rPr lang="ru-RU" sz="2800" dirty="0" err="1">
-                <a:solidFill>
-                  <a:schemeClr val="bg1">
-                    <a:lumMod val="95000"/>
-                  </a:schemeClr>
-                </a:solidFill>
-              </a:rPr>
-              <a:t>които</a:t>
-            </a:r>
-            <a:r>
-              <a:rPr lang="ru-RU" sz="2800" dirty="0">
-                <a:solidFill>
-                  <a:schemeClr val="bg1">
-                    <a:lumMod val="95000"/>
-                  </a:schemeClr>
-                </a:solidFill>
-              </a:rPr>
-              <a:t> се делят на 3 без </a:t>
-            </a:r>
-            <a:r>
-              <a:rPr lang="ru-RU" sz="2800" dirty="0" err="1">
-                <a:solidFill>
-                  <a:schemeClr val="bg1">
-                    <a:lumMod val="95000"/>
-                  </a:schemeClr>
-                </a:solidFill>
-              </a:rPr>
-              <a:t>остатък</a:t>
-            </a:r>
-            <a:endParaRPr lang="ru-RU" sz="2800" dirty="0">
+              <a:rPr lang="en-US" dirty="0" smtClean="0">
+                <a:solidFill>
+                  <a:srgbClr val="FF0000"/>
+                </a:solidFill>
+              </a:rPr>
+              <a:t>*</a:t>
+            </a:r>
+            <a:endParaRPr lang="en-US" sz="2800" dirty="0">
               <a:solidFill>
-                <a:schemeClr val="bg1">
-                  <a:lumMod val="95000"/>
-                </a:schemeClr>
-              </a:solidFill>
-            </a:endParaRPr>
-          </a:p>
-          <a:p>
-            <a:pPr>
-              <a:buFont typeface="Wingdings" panose="05000000000000000000" pitchFamily="2" charset="2"/>
-              <a:buChar char="§"/>
-            </a:pPr>
-            <a:r>
-              <a:rPr lang="bg-BG" sz="2800" dirty="0">
-                <a:solidFill>
-                  <a:schemeClr val="bg1">
-                    <a:lumMod val="95000"/>
-                  </a:schemeClr>
-                </a:solidFill>
-              </a:rPr>
-              <a:t>Напишете </a:t>
-            </a:r>
-            <a:r>
-              <a:rPr lang="ru-RU" sz="2800" dirty="0" err="1" smtClean="0">
-                <a:solidFill>
-                  <a:schemeClr val="bg1">
-                    <a:lumMod val="95000"/>
-                  </a:schemeClr>
-                </a:solidFill>
-              </a:rPr>
-              <a:t>програма</a:t>
-            </a:r>
-            <a:r>
-              <a:rPr lang="ru-RU" sz="2800" dirty="0">
-                <a:solidFill>
-                  <a:schemeClr val="bg1">
-                    <a:lumMod val="95000"/>
-                  </a:schemeClr>
-                </a:solidFill>
-              </a:rPr>
-              <a:t>, </a:t>
-            </a:r>
-            <a:r>
-              <a:rPr lang="ru-RU" sz="2800" dirty="0" err="1">
-                <a:solidFill>
-                  <a:schemeClr val="bg1">
-                    <a:lumMod val="95000"/>
-                  </a:schemeClr>
-                </a:solidFill>
-              </a:rPr>
-              <a:t>която</a:t>
-            </a:r>
-            <a:r>
-              <a:rPr lang="ru-RU" sz="2800" dirty="0">
-                <a:solidFill>
-                  <a:schemeClr val="bg1">
-                    <a:lumMod val="95000"/>
-                  </a:schemeClr>
-                </a:solidFill>
-              </a:rPr>
-              <a:t> </a:t>
-            </a:r>
-            <a:r>
-              <a:rPr lang="ru-RU" sz="2800" dirty="0" err="1">
-                <a:solidFill>
-                  <a:schemeClr val="bg1">
-                    <a:lumMod val="95000"/>
-                  </a:schemeClr>
-                </a:solidFill>
-              </a:rPr>
-              <a:t>принтира</a:t>
-            </a:r>
-            <a:r>
-              <a:rPr lang="ru-RU" sz="2800" dirty="0">
-                <a:solidFill>
-                  <a:schemeClr val="bg1">
-                    <a:lumMod val="95000"/>
-                  </a:schemeClr>
-                </a:solidFill>
-              </a:rPr>
-              <a:t> на </a:t>
-            </a:r>
-            <a:r>
-              <a:rPr lang="ru-RU" sz="2800" dirty="0" err="1">
-                <a:solidFill>
-                  <a:schemeClr val="bg1">
-                    <a:lumMod val="95000"/>
-                  </a:schemeClr>
-                </a:solidFill>
-              </a:rPr>
-              <a:t>екрана</a:t>
-            </a:r>
-            <a:r>
-              <a:rPr lang="ru-RU" sz="2800" dirty="0">
-                <a:solidFill>
-                  <a:schemeClr val="bg1">
-                    <a:lumMod val="95000"/>
-                  </a:schemeClr>
-                </a:solidFill>
-              </a:rPr>
-              <a:t> </a:t>
-            </a:r>
-            <a:r>
-              <a:rPr lang="ru-RU" sz="2800" dirty="0" err="1">
-                <a:solidFill>
-                  <a:schemeClr val="bg1">
-                    <a:lumMod val="95000"/>
-                  </a:schemeClr>
-                </a:solidFill>
-              </a:rPr>
-              <a:t>числата</a:t>
-            </a:r>
-            <a:r>
-              <a:rPr lang="ru-RU" sz="2800" dirty="0">
-                <a:solidFill>
-                  <a:schemeClr val="bg1">
-                    <a:lumMod val="95000"/>
-                  </a:schemeClr>
-                </a:solidFill>
-              </a:rPr>
-              <a:t> от 30 до 1 в обратен </a:t>
-            </a:r>
-            <a:r>
-              <a:rPr lang="ru-RU" sz="2800" dirty="0" err="1" smtClean="0">
-                <a:solidFill>
-                  <a:schemeClr val="bg1">
-                    <a:lumMod val="95000"/>
-                  </a:schemeClr>
-                </a:solidFill>
-              </a:rPr>
-              <a:t>ред</a:t>
-            </a:r>
-            <a:r>
-              <a:rPr lang="ru-RU" sz="2800" dirty="0" smtClean="0">
-                <a:solidFill>
-                  <a:schemeClr val="bg1">
-                    <a:lumMod val="95000"/>
-                  </a:schemeClr>
-                </a:solidFill>
-              </a:rPr>
-              <a:t>, </a:t>
-            </a:r>
-            <a:r>
-              <a:rPr lang="ru-RU" sz="2800" dirty="0" err="1">
-                <a:solidFill>
-                  <a:schemeClr val="bg1">
-                    <a:lumMod val="95000"/>
-                  </a:schemeClr>
-                </a:solidFill>
-              </a:rPr>
-              <a:t>подредени</a:t>
-            </a:r>
-            <a:r>
-              <a:rPr lang="ru-RU" sz="2800" dirty="0">
-                <a:solidFill>
-                  <a:schemeClr val="bg1">
-                    <a:lumMod val="95000"/>
-                  </a:schemeClr>
-                </a:solidFill>
-              </a:rPr>
-              <a:t> в 5 </a:t>
-            </a:r>
-            <a:r>
-              <a:rPr lang="ru-RU" sz="2800" dirty="0" err="1">
-                <a:solidFill>
-                  <a:schemeClr val="bg1">
-                    <a:lumMod val="95000"/>
-                  </a:schemeClr>
-                </a:solidFill>
-              </a:rPr>
-              <a:t>реда</a:t>
-            </a:r>
-            <a:r>
-              <a:rPr lang="ru-RU" sz="2800" dirty="0">
-                <a:solidFill>
-                  <a:schemeClr val="bg1">
-                    <a:lumMod val="95000"/>
-                  </a:schemeClr>
-                </a:solidFill>
-              </a:rPr>
-              <a:t> и 6 колони</a:t>
-            </a:r>
-          </a:p>
-          <a:p>
-            <a:pPr marL="0" indent="0">
-              <a:buNone/>
-            </a:pPr>
-            <a:endParaRPr lang="en-US" sz="2000" dirty="0" smtClean="0">
-              <a:solidFill>
-                <a:schemeClr val="bg1">
-                  <a:lumMod val="95000"/>
-                </a:schemeClr>
+                <a:srgbClr val="FF0000"/>
               </a:solidFill>
             </a:endParaRPr>
           </a:p>
@@ -6033,7 +6066,7 @@
     </p:spTree>
     <p:extLst>
       <p:ext uri="{BB962C8B-B14F-4D97-AF65-F5344CB8AC3E}">
-        <p14:creationId xmlns:p14="http://schemas.microsoft.com/office/powerpoint/2010/main" val="204655327"/>
+        <p14:creationId xmlns:p14="http://schemas.microsoft.com/office/powerpoint/2010/main" val="737740791"/>
       </p:ext>
     </p:extLst>
   </p:cSld>
@@ -6212,27 +6245,7 @@
                   </a:schemeClr>
                 </a:solidFill>
               </a:rPr>
-              <a:t>[]</a:t>
-            </a:r>
-            <a:r>
-              <a:rPr lang="en-US" dirty="0" smtClean="0">
-                <a:solidFill>
-                  <a:schemeClr val="bg1">
-                    <a:lumMod val="95000"/>
-                  </a:schemeClr>
-                </a:solidFill>
-              </a:rPr>
-              <a:t>[]</a:t>
-            </a:r>
-            <a:r>
-              <a:rPr lang="en-US" dirty="0" smtClean="0">
-                <a:solidFill>
-                  <a:schemeClr val="bg1">
-                    <a:lumMod val="95000"/>
-                  </a:schemeClr>
-                </a:solidFill>
-              </a:rPr>
-              <a:t> </a:t>
+              <a:t>[][] </a:t>
             </a:r>
             <a:r>
               <a:rPr lang="en-US" dirty="0" err="1" smtClean="0">
@@ -6498,7 +6511,17 @@
                   </a:schemeClr>
                 </a:solidFill>
               </a:rPr>
-              <a:t>float</a:t>
+              <a:t>float[][] </a:t>
+            </a:r>
+            <a:r>
+              <a:rPr lang="en-US" dirty="0" err="1" smtClean="0">
+                <a:solidFill>
+                  <a:schemeClr val="bg1">
+                    <a:lumMod val="95000"/>
+                  </a:schemeClr>
+                </a:solidFill>
+              </a:rPr>
+              <a:t>floatMatrix</a:t>
             </a:r>
             <a:r>
               <a:rPr lang="en-US" dirty="0" smtClean="0">
@@ -6508,18 +6531,13 @@
                   </a:schemeClr>
                 </a:solidFill>
               </a:rPr>
-              <a:t>[][] </a:t>
-            </a:r>
-            <a:r>
-              <a:rPr lang="en-US" dirty="0" err="1" smtClean="0">
-                <a:solidFill>
-                  <a:schemeClr val="bg1">
-                    <a:lumMod val="95000"/>
-                  </a:schemeClr>
-                </a:solidFill>
-              </a:rPr>
-              <a:t>floatMatrix</a:t>
-            </a:r>
+              <a:t>;</a:t>
+            </a:r>
+          </a:p>
+          <a:p>
+            <a:pPr marL="0" indent="0">
+              <a:buNone/>
+            </a:pPr>
             <a:r>
               <a:rPr lang="en-US" dirty="0" smtClean="0">
                 <a:solidFill>
@@ -6528,32 +6546,7 @@
                   </a:schemeClr>
                 </a:solidFill>
               </a:rPr>
-              <a:t>;</a:t>
-            </a:r>
-          </a:p>
-          <a:p>
-            <a:pPr marL="0" indent="0">
-              <a:buNone/>
-            </a:pPr>
-            <a:r>
-              <a:rPr lang="en-US" dirty="0" smtClean="0">
-                <a:solidFill>
-                  <a:schemeClr val="bg1">
-                    <a:lumMod val="95000"/>
-                  </a:schemeClr>
-                </a:solidFill>
-              </a:rPr>
-              <a:t>string</a:t>
-            </a:r>
-            <a:r>
-              <a:rPr lang="en-US" dirty="0" smtClean="0">
-                <a:solidFill>
-                  <a:schemeClr val="bg1">
-                    <a:lumMod val="95000"/>
-                  </a:schemeClr>
-                </a:solidFill>
-              </a:rPr>
-              <a:t>[][][] </a:t>
+              <a:t>string[][][] </a:t>
             </a:r>
             <a:r>
               <a:rPr lang="en-US" dirty="0" err="1" smtClean="0">
@@ -7451,7 +7444,22 @@
                   </a:schemeClr>
                 </a:solidFill>
               </a:rPr>
-              <a:t>[2][2</a:t>
+              <a:t>[2][2];</a:t>
+            </a:r>
+          </a:p>
+          <a:p>
+            <a:pPr marL="0" indent="0">
+              <a:buNone/>
+            </a:pPr>
+            <a:r>
+              <a:rPr lang="en-US" dirty="0" err="1" smtClean="0">
+                <a:solidFill>
+                  <a:schemeClr val="bg1">
+                    <a:lumMod val="95000"/>
+                  </a:schemeClr>
+                </a:solidFill>
+              </a:rPr>
+              <a:t>ourArray</a:t>
             </a:r>
             <a:r>
               <a:rPr lang="en-US" dirty="0" smtClean="0">
@@ -7461,7 +7469,7 @@
                   </a:schemeClr>
                 </a:solidFill>
               </a:rPr>
-              <a:t>];</a:t>
+              <a:t>[0][0] = 7;</a:t>
             </a:r>
           </a:p>
           <a:p>
@@ -7486,7 +7494,22 @@
                   </a:schemeClr>
                 </a:solidFill>
               </a:rPr>
-              <a:t>[0][0</a:t>
+              <a:t>[0][1] = 1;</a:t>
+            </a:r>
+          </a:p>
+          <a:p>
+            <a:pPr marL="0" indent="0">
+              <a:buNone/>
+            </a:pPr>
+            <a:r>
+              <a:rPr lang="en-US" dirty="0" err="1" smtClean="0">
+                <a:solidFill>
+                  <a:schemeClr val="bg1">
+                    <a:lumMod val="95000"/>
+                  </a:schemeClr>
+                </a:solidFill>
+              </a:rPr>
+              <a:t>ourArray</a:t>
             </a:r>
             <a:r>
               <a:rPr lang="en-US" dirty="0" smtClean="0">
@@ -7496,7 +7519,27 @@
                   </a:schemeClr>
                 </a:solidFill>
               </a:rPr>
-              <a:t>] = 7;</a:t>
+              <a:t>[1][0] </a:t>
+            </a:r>
+            <a:r>
+              <a:rPr lang="en-US" dirty="0">
+                <a:solidFill>
+                  <a:schemeClr val="bg1">
+                    <a:lumMod val="95000"/>
+                  </a:schemeClr>
+                </a:solidFill>
+              </a:rPr>
+              <a:t>= </a:t>
+            </a:r>
+            <a:r>
+              <a:rPr lang="en-US" dirty="0" smtClean="0">
+                <a:solidFill>
+                  <a:schemeClr val="bg1">
+                    <a:lumMod val="95000"/>
+                  </a:schemeClr>
+                </a:solidFill>
+              </a:rPr>
+              <a:t>9;</a:t>
             </a:r>
           </a:p>
           <a:p>
@@ -7521,107 +7564,7 @@
                   </a:schemeClr>
                 </a:solidFill>
               </a:rPr>
-              <a:t>[0][1</a:t>
-            </a:r>
-            <a:r>
-              <a:rPr lang="en-US" dirty="0" smtClean="0">
-                <a:solidFill>
-                  <a:schemeClr val="bg1">
-                    <a:lumMod val="95000"/>
-                  </a:schemeClr>
-                </a:solidFill>
-              </a:rPr>
-              <a:t>] = 1;</a:t>
-            </a:r>
-          </a:p>
-          <a:p>
-            <a:pPr marL="0" indent="0">
-              <a:buNone/>
-            </a:pPr>
-            <a:r>
-              <a:rPr lang="en-US" dirty="0" err="1" smtClean="0">
-                <a:solidFill>
-                  <a:schemeClr val="bg1">
-                    <a:lumMod val="95000"/>
-                  </a:schemeClr>
-                </a:solidFill>
-              </a:rPr>
-              <a:t>ourArray</a:t>
-            </a:r>
-            <a:r>
-              <a:rPr lang="en-US" dirty="0" smtClean="0">
-                <a:solidFill>
-                  <a:schemeClr val="bg1">
-                    <a:lumMod val="95000"/>
-                  </a:schemeClr>
-                </a:solidFill>
-              </a:rPr>
-              <a:t>[1][0</a:t>
-            </a:r>
-            <a:r>
-              <a:rPr lang="en-US" dirty="0" smtClean="0">
-                <a:solidFill>
-                  <a:schemeClr val="bg1">
-                    <a:lumMod val="95000"/>
-                  </a:schemeClr>
-                </a:solidFill>
-              </a:rPr>
-              <a:t>] </a:t>
-            </a:r>
-            <a:r>
-              <a:rPr lang="en-US" dirty="0">
-                <a:solidFill>
-                  <a:schemeClr val="bg1">
-                    <a:lumMod val="95000"/>
-                  </a:schemeClr>
-                </a:solidFill>
-              </a:rPr>
-              <a:t>= </a:t>
-            </a:r>
-            <a:r>
-              <a:rPr lang="en-US" dirty="0" smtClean="0">
-                <a:solidFill>
-                  <a:schemeClr val="bg1">
-                    <a:lumMod val="95000"/>
-                  </a:schemeClr>
-                </a:solidFill>
-              </a:rPr>
-              <a:t>9;</a:t>
-            </a:r>
-          </a:p>
-          <a:p>
-            <a:pPr marL="0" indent="0">
-              <a:buNone/>
-            </a:pPr>
-            <a:r>
-              <a:rPr lang="en-US" dirty="0" err="1" smtClean="0">
-                <a:solidFill>
-                  <a:schemeClr val="bg1">
-                    <a:lumMod val="95000"/>
-                  </a:schemeClr>
-                </a:solidFill>
-              </a:rPr>
-              <a:t>ourArray</a:t>
-            </a:r>
-            <a:r>
-              <a:rPr lang="en-US" dirty="0" smtClean="0">
-                <a:solidFill>
-                  <a:schemeClr val="bg1">
-                    <a:lumMod val="95000"/>
-                  </a:schemeClr>
-                </a:solidFill>
-              </a:rPr>
-              <a:t>[1][1</a:t>
-            </a:r>
-            <a:r>
-              <a:rPr lang="en-US" dirty="0" smtClean="0">
-                <a:solidFill>
-                  <a:schemeClr val="bg1">
-                    <a:lumMod val="95000"/>
-                  </a:schemeClr>
-                </a:solidFill>
-              </a:rPr>
-              <a:t>] </a:t>
+              <a:t>[1][1] </a:t>
             </a:r>
             <a:r>
               <a:rPr lang="en-US" dirty="0">
@@ -7900,7 +7843,22 @@
                   </a:schemeClr>
                 </a:solidFill>
               </a:rPr>
-              <a:t>[0][0</a:t>
+              <a:t>[0][0];</a:t>
+            </a:r>
+          </a:p>
+          <a:p>
+            <a:pPr marL="0" indent="0">
+              <a:buNone/>
+            </a:pPr>
+            <a:r>
+              <a:rPr lang="en-US" dirty="0" err="1" smtClean="0">
+                <a:solidFill>
+                  <a:schemeClr val="bg1">
+                    <a:lumMod val="95000"/>
+                  </a:schemeClr>
+                </a:solidFill>
+              </a:rPr>
+              <a:t>int</a:t>
             </a:r>
             <a:r>
               <a:rPr lang="en-US" dirty="0" smtClean="0">
@@ -7910,7 +7868,47 @@
                   </a:schemeClr>
                 </a:solidFill>
               </a:rPr>
-              <a:t>];</a:t>
+              <a:t> </a:t>
+            </a:r>
+            <a:r>
+              <a:rPr lang="en-US" dirty="0" err="1" smtClean="0">
+                <a:solidFill>
+                  <a:schemeClr val="bg1">
+                    <a:lumMod val="95000"/>
+                  </a:schemeClr>
+                </a:solidFill>
+              </a:rPr>
+              <a:t>zeroOne</a:t>
+            </a:r>
+            <a:r>
+              <a:rPr lang="en-US" dirty="0" smtClean="0">
+                <a:solidFill>
+                  <a:schemeClr val="bg1">
+                    <a:lumMod val="95000"/>
+                  </a:schemeClr>
+                </a:solidFill>
+              </a:rPr>
+              <a:t> = </a:t>
+            </a:r>
+            <a:r>
+              <a:rPr lang="en-US" dirty="0" err="1" smtClean="0">
+                <a:solidFill>
+                  <a:schemeClr val="bg1">
+                    <a:lumMod val="95000"/>
+                  </a:schemeClr>
+                </a:solidFill>
+              </a:rPr>
+              <a:t>ourArray</a:t>
+            </a:r>
+            <a:r>
+              <a:rPr lang="en-US" dirty="0" smtClean="0">
+                <a:solidFill>
+                  <a:schemeClr val="bg1">
+                    <a:lumMod val="95000"/>
+                  </a:schemeClr>
+                </a:solidFill>
+              </a:rPr>
+              <a:t>[0][1];</a:t>
             </a:r>
           </a:p>
           <a:p>
@@ -7945,7 +7943,7 @@
                   </a:schemeClr>
                 </a:solidFill>
               </a:rPr>
-              <a:t>zeroOne</a:t>
+              <a:t>oneZero</a:t>
             </a:r>
             <a:r>
               <a:rPr lang="en-US" dirty="0" smtClean="0">
@@ -7975,7 +7973,22 @@
                   </a:schemeClr>
                 </a:solidFill>
               </a:rPr>
-              <a:t>[0][1</a:t>
+              <a:t>[1][0];</a:t>
+            </a:r>
+          </a:p>
+          <a:p>
+            <a:pPr marL="0" indent="0">
+              <a:buNone/>
+            </a:pPr>
+            <a:r>
+              <a:rPr lang="en-US" dirty="0" err="1" smtClean="0">
+                <a:solidFill>
+                  <a:schemeClr val="bg1">
+                    <a:lumMod val="95000"/>
+                  </a:schemeClr>
+                </a:solidFill>
+              </a:rPr>
+              <a:t>int</a:t>
             </a:r>
             <a:r>
               <a:rPr lang="en-US" dirty="0" smtClean="0">
@@ -7985,13 +7998,8 @@
                   </a:schemeClr>
                 </a:solidFill>
               </a:rPr>
-              <a:t>];</a:t>
-            </a:r>
-          </a:p>
-          <a:p>
-            <a:pPr marL="0" indent="0">
-              <a:buNone/>
-            </a:pPr>
+              <a:t> </a:t>
+            </a:r>
             <a:r>
               <a:rPr lang="en-US" dirty="0" err="1" smtClean="0">
                 <a:solidFill>
@@ -8000,7 +8008,7 @@
                   </a:schemeClr>
                 </a:solidFill>
               </a:rPr>
-              <a:t>int</a:t>
+              <a:t>oneOne</a:t>
             </a:r>
             <a:r>
               <a:rPr lang="en-US" dirty="0" smtClean="0">
@@ -8010,7 +8018,7 @@
                   </a:schemeClr>
                 </a:solidFill>
               </a:rPr>
-              <a:t> </a:t>
+              <a:t> = </a:t>
             </a:r>
             <a:r>
               <a:rPr lang="en-US" dirty="0" err="1" smtClean="0">
@@ -8020,7 +8028,7 @@
                   </a:schemeClr>
                 </a:solidFill>
               </a:rPr>
-              <a:t>oneZero</a:t>
+              <a:t>ourArray</a:t>
             </a:r>
             <a:r>
               <a:rPr lang="en-US" dirty="0" smtClean="0">
@@ -8030,112 +8038,7 @@
                   </a:schemeClr>
                 </a:solidFill>
               </a:rPr>
-              <a:t> = </a:t>
-            </a:r>
-            <a:r>
-              <a:rPr lang="en-US" dirty="0" err="1" smtClean="0">
-                <a:solidFill>
-                  <a:schemeClr val="bg1">
-                    <a:lumMod val="95000"/>
-                  </a:schemeClr>
-                </a:solidFill>
-              </a:rPr>
-              <a:t>ourArray</a:t>
-            </a:r>
-            <a:r>
-              <a:rPr lang="en-US" dirty="0" smtClean="0">
-                <a:solidFill>
-                  <a:schemeClr val="bg1">
-                    <a:lumMod val="95000"/>
-                  </a:schemeClr>
-                </a:solidFill>
-              </a:rPr>
-              <a:t>[1][0</a:t>
-            </a:r>
-            <a:r>
-              <a:rPr lang="en-US" dirty="0" smtClean="0">
-                <a:solidFill>
-                  <a:schemeClr val="bg1">
-                    <a:lumMod val="95000"/>
-                  </a:schemeClr>
-                </a:solidFill>
-              </a:rPr>
-              <a:t>];</a:t>
-            </a:r>
-          </a:p>
-          <a:p>
-            <a:pPr marL="0" indent="0">
-              <a:buNone/>
-            </a:pPr>
-            <a:r>
-              <a:rPr lang="en-US" dirty="0" err="1" smtClean="0">
-                <a:solidFill>
-                  <a:schemeClr val="bg1">
-                    <a:lumMod val="95000"/>
-                  </a:schemeClr>
-                </a:solidFill>
-              </a:rPr>
-              <a:t>int</a:t>
-            </a:r>
-            <a:r>
-              <a:rPr lang="en-US" dirty="0" smtClean="0">
-                <a:solidFill>
-                  <a:schemeClr val="bg1">
-                    <a:lumMod val="95000"/>
-                  </a:schemeClr>
-                </a:solidFill>
-              </a:rPr>
-              <a:t> </a:t>
-            </a:r>
-            <a:r>
-              <a:rPr lang="en-US" dirty="0" err="1" smtClean="0">
-                <a:solidFill>
-                  <a:schemeClr val="bg1">
-                    <a:lumMod val="95000"/>
-                  </a:schemeClr>
-                </a:solidFill>
-              </a:rPr>
-              <a:t>oneOne</a:t>
-            </a:r>
-            <a:r>
-              <a:rPr lang="en-US" dirty="0" smtClean="0">
-                <a:solidFill>
-                  <a:schemeClr val="bg1">
-                    <a:lumMod val="95000"/>
-                  </a:schemeClr>
-                </a:solidFill>
-              </a:rPr>
-              <a:t> = </a:t>
-            </a:r>
-            <a:r>
-              <a:rPr lang="en-US" dirty="0" err="1" smtClean="0">
-                <a:solidFill>
-                  <a:schemeClr val="bg1">
-                    <a:lumMod val="95000"/>
-                  </a:schemeClr>
-                </a:solidFill>
-              </a:rPr>
-              <a:t>ourArray</a:t>
-            </a:r>
-            <a:r>
-              <a:rPr lang="en-US" dirty="0" smtClean="0">
-                <a:solidFill>
-                  <a:schemeClr val="bg1">
-                    <a:lumMod val="95000"/>
-                  </a:schemeClr>
-                </a:solidFill>
-              </a:rPr>
-              <a:t>[1][1</a:t>
-            </a:r>
-            <a:r>
-              <a:rPr lang="en-US" dirty="0" smtClean="0">
-                <a:solidFill>
-                  <a:schemeClr val="bg1">
-                    <a:lumMod val="95000"/>
-                  </a:schemeClr>
-                </a:solidFill>
-              </a:rPr>
-              <a:t>];	</a:t>
+              <a:t>[1][1];	</a:t>
             </a:r>
             <a:endParaRPr lang="ru-RU" dirty="0">
               <a:solidFill>

--- a/07-Arrays.pptx
+++ b/07-Arrays.pptx
@@ -224,7 +224,7 @@
           <a:p>
             <a:fld id="{1A052DDE-B79B-4585-97B6-DCDE6083B029}" type="datetimeFigureOut">
               <a:rPr lang="bg-BG" smtClean="0"/>
-              <a:t>5.11.2015 г.</a:t>
+              <a:t>8.11.2015 г.</a:t>
             </a:fld>
             <a:endParaRPr lang="bg-BG"/>
           </a:p>
@@ -1009,7 +1009,7 @@
           <a:p>
             <a:fld id="{3EA744D9-3FBE-48D8-BF2A-85DF203E4D20}" type="datetimeFigureOut">
               <a:rPr lang="bg-BG" smtClean="0"/>
-              <a:t>5.11.2015 г.</a:t>
+              <a:t>8.11.2015 г.</a:t>
             </a:fld>
             <a:endParaRPr lang="bg-BG"/>
           </a:p>
@@ -1179,7 +1179,7 @@
           <a:p>
             <a:fld id="{3EA744D9-3FBE-48D8-BF2A-85DF203E4D20}" type="datetimeFigureOut">
               <a:rPr lang="bg-BG" smtClean="0"/>
-              <a:t>5.11.2015 г.</a:t>
+              <a:t>8.11.2015 г.</a:t>
             </a:fld>
             <a:endParaRPr lang="bg-BG"/>
           </a:p>
@@ -1359,7 +1359,7 @@
           <a:p>
             <a:fld id="{3EA744D9-3FBE-48D8-BF2A-85DF203E4D20}" type="datetimeFigureOut">
               <a:rPr lang="bg-BG" smtClean="0"/>
-              <a:t>5.11.2015 г.</a:t>
+              <a:t>8.11.2015 г.</a:t>
             </a:fld>
             <a:endParaRPr lang="bg-BG"/>
           </a:p>
@@ -1529,7 +1529,7 @@
           <a:p>
             <a:fld id="{3EA744D9-3FBE-48D8-BF2A-85DF203E4D20}" type="datetimeFigureOut">
               <a:rPr lang="bg-BG" smtClean="0"/>
-              <a:t>5.11.2015 г.</a:t>
+              <a:t>8.11.2015 г.</a:t>
             </a:fld>
             <a:endParaRPr lang="bg-BG"/>
           </a:p>
@@ -1775,7 +1775,7 @@
           <a:p>
             <a:fld id="{3EA744D9-3FBE-48D8-BF2A-85DF203E4D20}" type="datetimeFigureOut">
               <a:rPr lang="bg-BG" smtClean="0"/>
-              <a:t>5.11.2015 г.</a:t>
+              <a:t>8.11.2015 г.</a:t>
             </a:fld>
             <a:endParaRPr lang="bg-BG"/>
           </a:p>
@@ -2063,7 +2063,7 @@
           <a:p>
             <a:fld id="{3EA744D9-3FBE-48D8-BF2A-85DF203E4D20}" type="datetimeFigureOut">
               <a:rPr lang="bg-BG" smtClean="0"/>
-              <a:t>5.11.2015 г.</a:t>
+              <a:t>8.11.2015 г.</a:t>
             </a:fld>
             <a:endParaRPr lang="bg-BG"/>
           </a:p>
@@ -2485,7 +2485,7 @@
           <a:p>
             <a:fld id="{3EA744D9-3FBE-48D8-BF2A-85DF203E4D20}" type="datetimeFigureOut">
               <a:rPr lang="bg-BG" smtClean="0"/>
-              <a:t>5.11.2015 г.</a:t>
+              <a:t>8.11.2015 г.</a:t>
             </a:fld>
             <a:endParaRPr lang="bg-BG"/>
           </a:p>
@@ -2603,7 +2603,7 @@
           <a:p>
             <a:fld id="{3EA744D9-3FBE-48D8-BF2A-85DF203E4D20}" type="datetimeFigureOut">
               <a:rPr lang="bg-BG" smtClean="0"/>
-              <a:t>5.11.2015 г.</a:t>
+              <a:t>8.11.2015 г.</a:t>
             </a:fld>
             <a:endParaRPr lang="bg-BG"/>
           </a:p>
@@ -2698,7 +2698,7 @@
           <a:p>
             <a:fld id="{3EA744D9-3FBE-48D8-BF2A-85DF203E4D20}" type="datetimeFigureOut">
               <a:rPr lang="bg-BG" smtClean="0"/>
-              <a:t>5.11.2015 г.</a:t>
+              <a:t>8.11.2015 г.</a:t>
             </a:fld>
             <a:endParaRPr lang="bg-BG"/>
           </a:p>
@@ -2975,7 +2975,7 @@
           <a:p>
             <a:fld id="{3EA744D9-3FBE-48D8-BF2A-85DF203E4D20}" type="datetimeFigureOut">
               <a:rPr lang="bg-BG" smtClean="0"/>
-              <a:t>5.11.2015 г.</a:t>
+              <a:t>8.11.2015 г.</a:t>
             </a:fld>
             <a:endParaRPr lang="bg-BG"/>
           </a:p>
@@ -3228,7 +3228,7 @@
           <a:p>
             <a:fld id="{3EA744D9-3FBE-48D8-BF2A-85DF203E4D20}" type="datetimeFigureOut">
               <a:rPr lang="bg-BG" smtClean="0"/>
-              <a:t>5.11.2015 г.</a:t>
+              <a:t>8.11.2015 г.</a:t>
             </a:fld>
             <a:endParaRPr lang="bg-BG"/>
           </a:p>
@@ -3450,7 +3450,7 @@
           <a:p>
             <a:fld id="{3EA744D9-3FBE-48D8-BF2A-85DF203E4D20}" type="datetimeFigureOut">
               <a:rPr lang="bg-BG" smtClean="0"/>
-              <a:t>5.11.2015 г.</a:t>
+              <a:t>8.11.2015 г.</a:t>
             </a:fld>
             <a:endParaRPr lang="bg-BG"/>
           </a:p>
@@ -4362,14 +4362,14 @@
               <a:t>ourArray</a:t>
             </a:r>
             <a:r>
-              <a:rPr lang="en-US" dirty="0" smtClean="0">
-                <a:solidFill>
-                  <a:schemeClr val="bg1">
-                    <a:lumMod val="95000"/>
-                  </a:schemeClr>
-                </a:solidFill>
-              </a:rPr>
-              <a:t>[3].</a:t>
+              <a:rPr lang="en-US" smtClean="0">
+                <a:solidFill>
+                  <a:schemeClr val="bg1">
+                    <a:lumMod val="95000"/>
+                  </a:schemeClr>
+                </a:solidFill>
+              </a:rPr>
+              <a:t>[2].</a:t>
             </a:r>
             <a:r>
               <a:rPr lang="en-US" dirty="0">
